--- a/AdaBoost.pptx
+++ b/AdaBoost.pptx
@@ -9,8 +9,12 @@
     <p:sldId id="257" r:id="rId3"/>
     <p:sldId id="258" r:id="rId4"/>
     <p:sldId id="259" r:id="rId5"/>
-    <p:sldId id="260" r:id="rId6"/>
-    <p:sldId id="261" r:id="rId7"/>
+    <p:sldId id="262" r:id="rId6"/>
+    <p:sldId id="263" r:id="rId7"/>
+    <p:sldId id="265" r:id="rId8"/>
+    <p:sldId id="266" r:id="rId9"/>
+    <p:sldId id="260" r:id="rId10"/>
+    <p:sldId id="261" r:id="rId11"/>
   </p:sldIdLst>
   <p:sldSz cx="12192000" cy="6858000"/>
   <p:notesSz cx="6858000" cy="9144000"/>
@@ -109,6 +113,11 @@
       </a:defRPr>
     </a:lvl9pPr>
   </p:defaultTextStyle>
+  <p:extLst>
+    <p:ext uri="{EFAFB233-063F-42B5-8137-9DF3F51BA10A}">
+      <p15:sldGuideLst xmlns:p15="http://schemas.microsoft.com/office/powerpoint/2012/main"/>
+    </p:ext>
+  </p:extLst>
 </p:presentation>
 </file>
 
@@ -758,7 +767,7 @@
           <a:p>
             <a:fld id="{C961DA8B-4A88-435A-8140-EE3C7DBF4153}" type="datetimeFigureOut">
               <a:rPr lang="en-IN" smtClean="0"/>
-              <a:t>09-07-2024</a:t>
+              <a:t>13-07-2024</a:t>
             </a:fld>
             <a:endParaRPr lang="en-IN"/>
           </a:p>
@@ -1878,7 +1887,7 @@
           <a:p>
             <a:fld id="{C961DA8B-4A88-435A-8140-EE3C7DBF4153}" type="datetimeFigureOut">
               <a:rPr lang="en-IN" smtClean="0"/>
-              <a:t>09-07-2024</a:t>
+              <a:t>13-07-2024</a:t>
             </a:fld>
             <a:endParaRPr lang="en-IN"/>
           </a:p>
@@ -2889,7 +2898,7 @@
           <a:p>
             <a:fld id="{C961DA8B-4A88-435A-8140-EE3C7DBF4153}" type="datetimeFigureOut">
               <a:rPr lang="en-IN" smtClean="0"/>
-              <a:t>09-07-2024</a:t>
+              <a:t>13-07-2024</a:t>
             </a:fld>
             <a:endParaRPr lang="en-IN"/>
           </a:p>
@@ -4059,7 +4068,7 @@
           <a:p>
             <a:fld id="{C961DA8B-4A88-435A-8140-EE3C7DBF4153}" type="datetimeFigureOut">
               <a:rPr lang="en-IN" smtClean="0"/>
-              <a:t>09-07-2024</a:t>
+              <a:t>13-07-2024</a:t>
             </a:fld>
             <a:endParaRPr lang="en-IN"/>
           </a:p>
@@ -5120,7 +5129,7 @@
           <a:p>
             <a:fld id="{C961DA8B-4A88-435A-8140-EE3C7DBF4153}" type="datetimeFigureOut">
               <a:rPr lang="en-IN" smtClean="0"/>
-              <a:t>09-07-2024</a:t>
+              <a:t>13-07-2024</a:t>
             </a:fld>
             <a:endParaRPr lang="en-IN"/>
           </a:p>
@@ -5766,7 +5775,7 @@
           <a:p>
             <a:fld id="{C961DA8B-4A88-435A-8140-EE3C7DBF4153}" type="datetimeFigureOut">
               <a:rPr lang="en-IN" smtClean="0"/>
-              <a:t>09-07-2024</a:t>
+              <a:t>13-07-2024</a:t>
             </a:fld>
             <a:endParaRPr lang="en-IN"/>
           </a:p>
@@ -6613,7 +6622,7 @@
           <a:p>
             <a:fld id="{C961DA8B-4A88-435A-8140-EE3C7DBF4153}" type="datetimeFigureOut">
               <a:rPr lang="en-IN" smtClean="0"/>
-              <a:t>09-07-2024</a:t>
+              <a:t>13-07-2024</a:t>
             </a:fld>
             <a:endParaRPr lang="en-IN"/>
           </a:p>
@@ -6788,7 +6797,7 @@
           <a:p>
             <a:fld id="{C961DA8B-4A88-435A-8140-EE3C7DBF4153}" type="datetimeFigureOut">
               <a:rPr lang="en-IN" smtClean="0"/>
-              <a:t>09-07-2024</a:t>
+              <a:t>13-07-2024</a:t>
             </a:fld>
             <a:endParaRPr lang="en-IN"/>
           </a:p>
@@ -7786,7 +7795,7 @@
           <a:p>
             <a:fld id="{C961DA8B-4A88-435A-8140-EE3C7DBF4153}" type="datetimeFigureOut">
               <a:rPr lang="en-IN" smtClean="0"/>
-              <a:t>09-07-2024</a:t>
+              <a:t>13-07-2024</a:t>
             </a:fld>
             <a:endParaRPr lang="en-IN"/>
           </a:p>
@@ -7992,7 +8001,7 @@
           <a:p>
             <a:fld id="{C961DA8B-4A88-435A-8140-EE3C7DBF4153}" type="datetimeFigureOut">
               <a:rPr lang="en-IN" smtClean="0"/>
-              <a:t>09-07-2024</a:t>
+              <a:t>13-07-2024</a:t>
             </a:fld>
             <a:endParaRPr lang="en-IN"/>
           </a:p>
@@ -9054,7 +9063,7 @@
           <a:p>
             <a:fld id="{C961DA8B-4A88-435A-8140-EE3C7DBF4153}" type="datetimeFigureOut">
               <a:rPr lang="en-IN" smtClean="0"/>
-              <a:t>09-07-2024</a:t>
+              <a:t>13-07-2024</a:t>
             </a:fld>
             <a:endParaRPr lang="en-IN"/>
           </a:p>
@@ -9326,7 +9335,7 @@
           <a:p>
             <a:fld id="{C961DA8B-4A88-435A-8140-EE3C7DBF4153}" type="datetimeFigureOut">
               <a:rPr lang="en-IN" smtClean="0"/>
-              <a:t>09-07-2024</a:t>
+              <a:t>13-07-2024</a:t>
             </a:fld>
             <a:endParaRPr lang="en-IN"/>
           </a:p>
@@ -9708,7 +9717,7 @@
           <a:p>
             <a:fld id="{C961DA8B-4A88-435A-8140-EE3C7DBF4153}" type="datetimeFigureOut">
               <a:rPr lang="en-IN" smtClean="0"/>
-              <a:t>09-07-2024</a:t>
+              <a:t>13-07-2024</a:t>
             </a:fld>
             <a:endParaRPr lang="en-IN"/>
           </a:p>
@@ -9826,7 +9835,7 @@
           <a:p>
             <a:fld id="{C961DA8B-4A88-435A-8140-EE3C7DBF4153}" type="datetimeFigureOut">
               <a:rPr lang="en-IN" smtClean="0"/>
-              <a:t>09-07-2024</a:t>
+              <a:t>13-07-2024</a:t>
             </a:fld>
             <a:endParaRPr lang="en-IN"/>
           </a:p>
@@ -9921,7 +9930,7 @@
           <a:p>
             <a:fld id="{C961DA8B-4A88-435A-8140-EE3C7DBF4153}" type="datetimeFigureOut">
               <a:rPr lang="en-IN" smtClean="0"/>
-              <a:t>09-07-2024</a:t>
+              <a:t>13-07-2024</a:t>
             </a:fld>
             <a:endParaRPr lang="en-IN"/>
           </a:p>
@@ -11030,7 +11039,7 @@
           <a:p>
             <a:fld id="{C961DA8B-4A88-435A-8140-EE3C7DBF4153}" type="datetimeFigureOut">
               <a:rPr lang="en-IN" smtClean="0"/>
-              <a:t>09-07-2024</a:t>
+              <a:t>13-07-2024</a:t>
             </a:fld>
             <a:endParaRPr lang="en-IN"/>
           </a:p>
@@ -12163,7 +12172,7 @@
           <a:p>
             <a:fld id="{C961DA8B-4A88-435A-8140-EE3C7DBF4153}" type="datetimeFigureOut">
               <a:rPr lang="en-IN" smtClean="0"/>
-              <a:t>09-07-2024</a:t>
+              <a:t>13-07-2024</a:t>
             </a:fld>
             <a:endParaRPr lang="en-IN"/>
           </a:p>
@@ -13191,7 +13200,7 @@
           <a:p>
             <a:fld id="{C961DA8B-4A88-435A-8140-EE3C7DBF4153}" type="datetimeFigureOut">
               <a:rPr lang="en-IN" smtClean="0"/>
-              <a:t>09-07-2024</a:t>
+              <a:t>13-07-2024</a:t>
             </a:fld>
             <a:endParaRPr lang="en-IN"/>
           </a:p>
@@ -13803,6 +13812,184 @@
 </p:sld>
 </file>
 
+<file path=ppt/slides/slide10.xml><?xml version="1.0" encoding="utf-8"?>
+<p:sld xmlns:a="http://schemas.openxmlformats.org/drawingml/2006/main" xmlns:r="http://schemas.openxmlformats.org/officeDocument/2006/relationships" xmlns:p="http://schemas.openxmlformats.org/presentationml/2006/main">
+  <p:cSld>
+    <p:spTree>
+      <p:nvGrpSpPr>
+        <p:cNvPr id="1" name=""/>
+        <p:cNvGrpSpPr/>
+        <p:nvPr/>
+      </p:nvGrpSpPr>
+      <p:grpSpPr>
+        <a:xfrm>
+          <a:off x="0" y="0"/>
+          <a:ext cx="0" cy="0"/>
+          <a:chOff x="0" y="0"/>
+          <a:chExt cx="0" cy="0"/>
+        </a:xfrm>
+      </p:grpSpPr>
+      <p:sp>
+        <p:nvSpPr>
+          <p:cNvPr id="3" name="TextBox 2">
+            <a:extLst>
+              <a:ext uri="{FF2B5EF4-FFF2-40B4-BE49-F238E27FC236}">
+                <a16:creationId xmlns:a16="http://schemas.microsoft.com/office/drawing/2014/main" id="{3F3CEB3F-8140-4E91-968C-71E83F89C621}"/>
+              </a:ext>
+            </a:extLst>
+          </p:cNvPr>
+          <p:cNvSpPr txBox="1"/>
+          <p:nvPr/>
+        </p:nvSpPr>
+        <p:spPr>
+          <a:xfrm>
+            <a:off x="3030414" y="1210832"/>
+            <a:ext cx="6949440" cy="523220"/>
+          </a:xfrm>
+          <a:prstGeom prst="rect">
+            <a:avLst/>
+          </a:prstGeom>
+          <a:noFill/>
+        </p:spPr>
+        <p:txBody>
+          <a:bodyPr wrap="square" rtlCol="0">
+            <a:spAutoFit/>
+          </a:bodyPr>
+          <a:lstStyle/>
+          <a:p>
+            <a:r>
+              <a:rPr lang="en-US" sz="2800" dirty="0" err="1">
+                <a:solidFill>
+                  <a:schemeClr val="bg1"/>
+                </a:solidFill>
+                <a:latin typeface="Bahnschrift SemiBold" panose="020B0502040204020203" pitchFamily="34" charset="0"/>
+              </a:rPr>
+              <a:t>Adaboost</a:t>
+            </a:r>
+            <a:r>
+              <a:rPr lang="en-US" sz="2800" dirty="0">
+                <a:solidFill>
+                  <a:schemeClr val="bg1"/>
+                </a:solidFill>
+                <a:latin typeface="Bahnschrift SemiBold" panose="020B0502040204020203" pitchFamily="34" charset="0"/>
+              </a:rPr>
+              <a:t> Regression Algorithm</a:t>
+            </a:r>
+            <a:endParaRPr lang="en-IN" sz="2800" dirty="0">
+              <a:solidFill>
+                <a:schemeClr val="bg1"/>
+              </a:solidFill>
+              <a:latin typeface="Bahnschrift SemiBold" panose="020B0502040204020203" pitchFamily="34" charset="0"/>
+            </a:endParaRPr>
+          </a:p>
+        </p:txBody>
+      </p:sp>
+      <p:sp>
+        <p:nvSpPr>
+          <p:cNvPr id="4" name="TextBox 3">
+            <a:extLst>
+              <a:ext uri="{FF2B5EF4-FFF2-40B4-BE49-F238E27FC236}">
+                <a16:creationId xmlns:a16="http://schemas.microsoft.com/office/drawing/2014/main" id="{299F27D2-713D-4BD6-8533-432786687B58}"/>
+              </a:ext>
+            </a:extLst>
+          </p:cNvPr>
+          <p:cNvSpPr txBox="1"/>
+          <p:nvPr/>
+        </p:nvSpPr>
+        <p:spPr>
+          <a:xfrm>
+            <a:off x="2135943" y="2600180"/>
+            <a:ext cx="8738383" cy="2308324"/>
+          </a:xfrm>
+          <a:prstGeom prst="rect">
+            <a:avLst/>
+          </a:prstGeom>
+          <a:noFill/>
+        </p:spPr>
+        <p:txBody>
+          <a:bodyPr wrap="square" rtlCol="0">
+            <a:spAutoFit/>
+          </a:bodyPr>
+          <a:lstStyle/>
+          <a:p>
+            <a:r>
+              <a:rPr lang="en-US" sz="2400" dirty="0">
+                <a:solidFill>
+                  <a:schemeClr val="bg1"/>
+                </a:solidFill>
+                <a:latin typeface="Bahnschrift SemiBold" panose="020B0502040204020203" pitchFamily="34" charset="0"/>
+              </a:rPr>
+              <a:t>Cons</a:t>
+            </a:r>
+          </a:p>
+          <a:p>
+            <a:endParaRPr lang="en-US" sz="2400" dirty="0">
+              <a:solidFill>
+                <a:schemeClr val="bg1"/>
+              </a:solidFill>
+              <a:latin typeface="Bahnschrift SemiBold" panose="020B0502040204020203" pitchFamily="34" charset="0"/>
+            </a:endParaRPr>
+          </a:p>
+          <a:p>
+            <a:pPr marL="800100" lvl="1" indent="-342900">
+              <a:buFont typeface="Arial" panose="020B0604020202020204" pitchFamily="34" charset="0"/>
+              <a:buChar char="•"/>
+            </a:pPr>
+            <a:r>
+              <a:rPr lang="en-US" sz="2400" dirty="0">
+                <a:solidFill>
+                  <a:schemeClr val="bg1"/>
+                </a:solidFill>
+                <a:latin typeface="Bahnschrift SemiBold" panose="020B0502040204020203" pitchFamily="34" charset="0"/>
+              </a:rPr>
+              <a:t>AdaBoost is sensitive to noise data. </a:t>
+            </a:r>
+          </a:p>
+          <a:p>
+            <a:pPr marL="800100" lvl="1" indent="-342900">
+              <a:buFont typeface="Arial" panose="020B0604020202020204" pitchFamily="34" charset="0"/>
+              <a:buChar char="•"/>
+            </a:pPr>
+            <a:r>
+              <a:rPr lang="en-US" sz="2400" dirty="0">
+                <a:solidFill>
+                  <a:schemeClr val="bg1"/>
+                </a:solidFill>
+                <a:latin typeface="Bahnschrift SemiBold" panose="020B0502040204020203" pitchFamily="34" charset="0"/>
+              </a:rPr>
+              <a:t>It is highly affected by outliers because it tries to fit each point perfectly. </a:t>
+            </a:r>
+          </a:p>
+          <a:p>
+            <a:pPr marL="800100" lvl="1" indent="-342900">
+              <a:buFont typeface="Arial" panose="020B0604020202020204" pitchFamily="34" charset="0"/>
+              <a:buChar char="•"/>
+            </a:pPr>
+            <a:r>
+              <a:rPr lang="en-US" sz="2400" dirty="0">
+                <a:solidFill>
+                  <a:schemeClr val="bg1"/>
+                </a:solidFill>
+                <a:latin typeface="Bahnschrift SemiBold" panose="020B0502040204020203" pitchFamily="34" charset="0"/>
+              </a:rPr>
+              <a:t>Require multiple iteration of training</a:t>
+            </a:r>
+          </a:p>
+        </p:txBody>
+      </p:sp>
+    </p:spTree>
+    <p:extLst>
+      <p:ext uri="{BB962C8B-B14F-4D97-AF65-F5344CB8AC3E}">
+        <p14:creationId xmlns:p14="http://schemas.microsoft.com/office/powerpoint/2010/main" val="214791992"/>
+      </p:ext>
+    </p:extLst>
+  </p:cSld>
+  <p:clrMapOvr>
+    <a:masterClrMapping/>
+  </p:clrMapOvr>
+</p:sld>
+</file>
+
 <file path=ppt/slides/slide2.xml><?xml version="1.0" encoding="utf-8"?>
 <p:sld xmlns:a="http://schemas.openxmlformats.org/drawingml/2006/main" xmlns:r="http://schemas.openxmlformats.org/officeDocument/2006/relationships" xmlns:p="http://schemas.openxmlformats.org/presentationml/2006/main">
   <p:cSld>
@@ -14191,7 +14378,7 @@
         <p:spPr>
           <a:xfrm>
             <a:off x="1573236" y="2164083"/>
-            <a:ext cx="9469902" cy="3477875"/>
+            <a:ext cx="9469902" cy="3170099"/>
           </a:xfrm>
           <a:prstGeom prst="rect">
             <a:avLst/>
@@ -14295,27 +14482,6 @@
               </a:rPr>
               <a:t>This process iterate until the complete training data fits without any error or until reached to the specified maximum number of estimators.</a:t>
             </a:r>
-          </a:p>
-          <a:p>
-            <a:pPr marL="342900" indent="-342900">
-              <a:buFont typeface="+mj-lt"/>
-              <a:buAutoNum type="arabicPeriod"/>
-            </a:pPr>
-            <a:r>
-              <a:rPr lang="en-US" sz="2000" dirty="0">
-                <a:solidFill>
-                  <a:schemeClr val="bg1"/>
-                </a:solidFill>
-                <a:latin typeface="Bahnschrift SemiBold" panose="020B0502040204020203" pitchFamily="34" charset="0"/>
-              </a:rPr>
-              <a:t>To classify, perform a "vote" across all of the learning algorithms you built.</a:t>
-            </a:r>
-            <a:endParaRPr lang="en-IN" sz="2000" dirty="0">
-              <a:solidFill>
-                <a:schemeClr val="bg1"/>
-              </a:solidFill>
-              <a:latin typeface="Bahnschrift SemiBold" panose="020B0502040204020203" pitchFamily="34" charset="0"/>
-            </a:endParaRPr>
           </a:p>
         </p:txBody>
       </p:sp>
@@ -14418,8 +14584,8 @@
         </p:nvSpPr>
         <p:spPr>
           <a:xfrm>
-            <a:off x="2135943" y="2600180"/>
-            <a:ext cx="8738383" cy="2308324"/>
+            <a:off x="1573236" y="2164083"/>
+            <a:ext cx="9469902" cy="1015663"/>
           </a:xfrm>
           <a:prstGeom prst="rect">
             <a:avLst/>
@@ -14433,17 +14599,17 @@
           <a:lstStyle/>
           <a:p>
             <a:r>
-              <a:rPr lang="en-US" sz="2400" dirty="0">
+              <a:rPr lang="en-US" sz="2000" dirty="0">
                 <a:solidFill>
                   <a:schemeClr val="bg1"/>
                 </a:solidFill>
                 <a:latin typeface="Bahnschrift SemiBold" panose="020B0502040204020203" pitchFamily="34" charset="0"/>
               </a:rPr>
-              <a:t>Pros</a:t>
+              <a:t>The sample weights are calculated using the following formula.</a:t>
             </a:r>
           </a:p>
           <a:p>
-            <a:endParaRPr lang="en-US" sz="2400" dirty="0">
+            <a:endParaRPr lang="en-US" sz="2000" dirty="0">
               <a:solidFill>
                 <a:schemeClr val="bg1"/>
               </a:solidFill>
@@ -14451,50 +14617,16 @@
             </a:endParaRPr>
           </a:p>
           <a:p>
-            <a:pPr marL="800100" lvl="1" indent="-342900">
-              <a:buFont typeface="Arial" panose="020B0604020202020204" pitchFamily="34" charset="0"/>
-              <a:buChar char="•"/>
-            </a:pPr>
             <a:r>
-              <a:rPr lang="en-US" sz="2400" dirty="0">
+              <a:rPr lang="en-US" sz="2000" dirty="0">
                 <a:solidFill>
                   <a:schemeClr val="bg1"/>
                 </a:solidFill>
                 <a:latin typeface="Bahnschrift SemiBold" panose="020B0502040204020203" pitchFamily="34" charset="0"/>
               </a:rPr>
-              <a:t>AdaBoost is easy to implement. </a:t>
+              <a:t>N denotes the total number of data points.</a:t>
             </a:r>
-          </a:p>
-          <a:p>
-            <a:pPr marL="800100" lvl="1" indent="-342900">
-              <a:buFont typeface="Arial" panose="020B0604020202020204" pitchFamily="34" charset="0"/>
-              <a:buChar char="•"/>
-            </a:pPr>
-            <a:r>
-              <a:rPr lang="en-US" sz="2400" dirty="0">
-                <a:solidFill>
-                  <a:schemeClr val="bg1"/>
-                </a:solidFill>
-                <a:latin typeface="Bahnschrift SemiBold" panose="020B0502040204020203" pitchFamily="34" charset="0"/>
-              </a:rPr>
-              <a:t>It iteratively corrects the mistakes of the weak classifier and improves accuracy by combining weak learners. </a:t>
-            </a:r>
-          </a:p>
-          <a:p>
-            <a:pPr marL="800100" lvl="1" indent="-342900">
-              <a:buFont typeface="Arial" panose="020B0604020202020204" pitchFamily="34" charset="0"/>
-              <a:buChar char="•"/>
-            </a:pPr>
-            <a:r>
-              <a:rPr lang="en-US" sz="2400" dirty="0">
-                <a:solidFill>
-                  <a:schemeClr val="bg1"/>
-                </a:solidFill>
-                <a:latin typeface="Bahnschrift SemiBold" panose="020B0502040204020203" pitchFamily="34" charset="0"/>
-              </a:rPr>
-              <a:t>You can use many base classifiers with AdaBoost. </a:t>
-            </a:r>
-            <a:endParaRPr lang="en-IN" sz="2400" dirty="0">
+            <a:endParaRPr lang="en-IN" sz="2000" dirty="0">
               <a:solidFill>
                 <a:schemeClr val="bg1"/>
               </a:solidFill>
@@ -14503,10 +14635,46 @@
           </a:p>
         </p:txBody>
       </p:sp>
+      <p:pic>
+        <p:nvPicPr>
+          <p:cNvPr id="5" name="Picture 4">
+            <a:extLst>
+              <a:ext uri="{FF2B5EF4-FFF2-40B4-BE49-F238E27FC236}">
+                <a16:creationId xmlns:a16="http://schemas.microsoft.com/office/drawing/2014/main" id="{6C51D03A-1F65-4A38-A47D-DED5CB431F18}"/>
+              </a:ext>
+            </a:extLst>
+          </p:cNvPr>
+          <p:cNvPicPr>
+            <a:picLocks noChangeAspect="1"/>
+          </p:cNvPicPr>
+          <p:nvPr/>
+        </p:nvPicPr>
+        <p:blipFill>
+          <a:blip r:embed="rId2">
+            <a:extLst>
+              <a:ext uri="{28A0092B-C50C-407E-A947-70E740481C1C}">
+                <a14:useLocalDpi xmlns:a14="http://schemas.microsoft.com/office/drawing/2010/main" val="0"/>
+              </a:ext>
+            </a:extLst>
+          </a:blip>
+          <a:stretch>
+            <a:fillRect/>
+          </a:stretch>
+        </p:blipFill>
+        <p:spPr>
+          <a:xfrm>
+            <a:off x="1954237" y="3423380"/>
+            <a:ext cx="6641124" cy="1059260"/>
+          </a:xfrm>
+          <a:prstGeom prst="rect">
+            <a:avLst/>
+          </a:prstGeom>
+        </p:spPr>
+      </p:pic>
     </p:spTree>
     <p:extLst>
       <p:ext uri="{BB962C8B-B14F-4D97-AF65-F5344CB8AC3E}">
-        <p14:creationId xmlns:p14="http://schemas.microsoft.com/office/powerpoint/2010/main" val="2713840100"/>
+        <p14:creationId xmlns:p14="http://schemas.microsoft.com/office/powerpoint/2010/main" val="3496392737"/>
       </p:ext>
     </p:extLst>
   </p:cSld>
@@ -14602,6 +14770,614 @@
         </p:nvSpPr>
         <p:spPr>
           <a:xfrm>
+            <a:off x="1573236" y="2164083"/>
+            <a:ext cx="9469902" cy="1631216"/>
+          </a:xfrm>
+          <a:prstGeom prst="rect">
+            <a:avLst/>
+          </a:prstGeom>
+          <a:noFill/>
+        </p:spPr>
+        <p:txBody>
+          <a:bodyPr wrap="square" rtlCol="0">
+            <a:spAutoFit/>
+          </a:bodyPr>
+          <a:lstStyle/>
+          <a:p>
+            <a:r>
+              <a:rPr lang="en-US" sz="2000" dirty="0">
+                <a:solidFill>
+                  <a:schemeClr val="bg1"/>
+                </a:solidFill>
+                <a:latin typeface="Bahnschrift SemiBold" panose="020B0502040204020203" pitchFamily="34" charset="0"/>
+              </a:rPr>
+              <a:t>Formula to determine the "Amount of Say" or "Importance" or "Influence" for this classifier in categorizing the data points:</a:t>
+            </a:r>
+          </a:p>
+          <a:p>
+            <a:endParaRPr lang="en-US" sz="2000" dirty="0">
+              <a:solidFill>
+                <a:schemeClr val="bg1"/>
+              </a:solidFill>
+              <a:latin typeface="Bahnschrift SemiBold" panose="020B0502040204020203" pitchFamily="34" charset="0"/>
+            </a:endParaRPr>
+          </a:p>
+          <a:p>
+            <a:r>
+              <a:rPr lang="en-US" sz="2000" dirty="0">
+                <a:solidFill>
+                  <a:schemeClr val="bg1"/>
+                </a:solidFill>
+                <a:latin typeface="Bahnschrift SemiBold" panose="020B0502040204020203" pitchFamily="34" charset="0"/>
+              </a:rPr>
+              <a:t>Total error is just the sum of all misclassified data points' sample weights. </a:t>
+            </a:r>
+            <a:r>
+              <a:rPr lang="en-US" sz="2000" dirty="0" err="1">
+                <a:solidFill>
+                  <a:schemeClr val="bg1"/>
+                </a:solidFill>
+                <a:latin typeface="Bahnschrift SemiBold" panose="020B0502040204020203" pitchFamily="34" charset="0"/>
+              </a:rPr>
+              <a:t>Fotar</a:t>
+            </a:r>
+            <a:r>
+              <a:rPr lang="en-US" sz="2000" dirty="0">
+                <a:solidFill>
+                  <a:schemeClr val="bg1"/>
+                </a:solidFill>
+                <a:latin typeface="Bahnschrift SemiBold" panose="020B0502040204020203" pitchFamily="34" charset="0"/>
+              </a:rPr>
+              <a:t> example, If we have 2 incorrect output for 10 </a:t>
+            </a:r>
+            <a:r>
+              <a:rPr lang="en-US" sz="2000" dirty="0" err="1">
+                <a:solidFill>
+                  <a:schemeClr val="bg1"/>
+                </a:solidFill>
+                <a:latin typeface="Bahnschrift SemiBold" panose="020B0502040204020203" pitchFamily="34" charset="0"/>
+              </a:rPr>
+              <a:t>testdata</a:t>
+            </a:r>
+            <a:r>
+              <a:rPr lang="en-US" sz="2000" dirty="0">
+                <a:solidFill>
+                  <a:schemeClr val="bg1"/>
+                </a:solidFill>
+                <a:latin typeface="Bahnschrift SemiBold" panose="020B0502040204020203" pitchFamily="34" charset="0"/>
+              </a:rPr>
+              <a:t>, Total Error=2/10</a:t>
+            </a:r>
+            <a:endParaRPr lang="en-IN" sz="2000" dirty="0">
+              <a:solidFill>
+                <a:schemeClr val="bg1"/>
+              </a:solidFill>
+              <a:latin typeface="Bahnschrift SemiBold" panose="020B0502040204020203" pitchFamily="34" charset="0"/>
+            </a:endParaRPr>
+          </a:p>
+        </p:txBody>
+      </p:sp>
+      <p:pic>
+        <p:nvPicPr>
+          <p:cNvPr id="8" name="Picture 7">
+            <a:extLst>
+              <a:ext uri="{FF2B5EF4-FFF2-40B4-BE49-F238E27FC236}">
+                <a16:creationId xmlns:a16="http://schemas.microsoft.com/office/drawing/2014/main" id="{0BD8EF18-5BB8-4F81-BA9F-B0C2C5D3990C}"/>
+              </a:ext>
+            </a:extLst>
+          </p:cNvPr>
+          <p:cNvPicPr>
+            <a:picLocks noChangeAspect="1"/>
+          </p:cNvPicPr>
+          <p:nvPr/>
+        </p:nvPicPr>
+        <p:blipFill rotWithShape="1">
+          <a:blip r:embed="rId2">
+            <a:extLst>
+              <a:ext uri="{28A0092B-C50C-407E-A947-70E740481C1C}">
+                <a14:useLocalDpi xmlns:a14="http://schemas.microsoft.com/office/drawing/2010/main" val="0"/>
+              </a:ext>
+            </a:extLst>
+          </a:blip>
+          <a:srcRect b="82489"/>
+          <a:stretch/>
+        </p:blipFill>
+        <p:spPr>
+          <a:xfrm>
+            <a:off x="1904413" y="4465644"/>
+            <a:ext cx="8383174" cy="822085"/>
+          </a:xfrm>
+          <a:prstGeom prst="rect">
+            <a:avLst/>
+          </a:prstGeom>
+        </p:spPr>
+      </p:pic>
+    </p:spTree>
+    <p:extLst>
+      <p:ext uri="{BB962C8B-B14F-4D97-AF65-F5344CB8AC3E}">
+        <p14:creationId xmlns:p14="http://schemas.microsoft.com/office/powerpoint/2010/main" val="3200005193"/>
+      </p:ext>
+    </p:extLst>
+  </p:cSld>
+  <p:clrMapOvr>
+    <a:masterClrMapping/>
+  </p:clrMapOvr>
+</p:sld>
+</file>
+
+<file path=ppt/slides/slide7.xml><?xml version="1.0" encoding="utf-8"?>
+<p:sld xmlns:a="http://schemas.openxmlformats.org/drawingml/2006/main" xmlns:r="http://schemas.openxmlformats.org/officeDocument/2006/relationships" xmlns:p="http://schemas.openxmlformats.org/presentationml/2006/main">
+  <p:cSld>
+    <p:spTree>
+      <p:nvGrpSpPr>
+        <p:cNvPr id="1" name=""/>
+        <p:cNvGrpSpPr/>
+        <p:nvPr/>
+      </p:nvGrpSpPr>
+      <p:grpSpPr>
+        <a:xfrm>
+          <a:off x="0" y="0"/>
+          <a:ext cx="0" cy="0"/>
+          <a:chOff x="0" y="0"/>
+          <a:chExt cx="0" cy="0"/>
+        </a:xfrm>
+      </p:grpSpPr>
+      <p:sp>
+        <p:nvSpPr>
+          <p:cNvPr id="3" name="TextBox 2">
+            <a:extLst>
+              <a:ext uri="{FF2B5EF4-FFF2-40B4-BE49-F238E27FC236}">
+                <a16:creationId xmlns:a16="http://schemas.microsoft.com/office/drawing/2014/main" id="{3F3CEB3F-8140-4E91-968C-71E83F89C621}"/>
+              </a:ext>
+            </a:extLst>
+          </p:cNvPr>
+          <p:cNvSpPr txBox="1"/>
+          <p:nvPr/>
+        </p:nvSpPr>
+        <p:spPr>
+          <a:xfrm>
+            <a:off x="3030414" y="1210832"/>
+            <a:ext cx="6949440" cy="523220"/>
+          </a:xfrm>
+          <a:prstGeom prst="rect">
+            <a:avLst/>
+          </a:prstGeom>
+          <a:noFill/>
+        </p:spPr>
+        <p:txBody>
+          <a:bodyPr wrap="square" rtlCol="0">
+            <a:spAutoFit/>
+          </a:bodyPr>
+          <a:lstStyle/>
+          <a:p>
+            <a:r>
+              <a:rPr lang="en-US" sz="2800" dirty="0" err="1">
+                <a:solidFill>
+                  <a:schemeClr val="bg1"/>
+                </a:solidFill>
+                <a:latin typeface="Bahnschrift SemiBold" panose="020B0502040204020203" pitchFamily="34" charset="0"/>
+              </a:rPr>
+              <a:t>Adaboost</a:t>
+            </a:r>
+            <a:r>
+              <a:rPr lang="en-US" sz="2800" dirty="0">
+                <a:solidFill>
+                  <a:schemeClr val="bg1"/>
+                </a:solidFill>
+                <a:latin typeface="Bahnschrift SemiBold" panose="020B0502040204020203" pitchFamily="34" charset="0"/>
+              </a:rPr>
+              <a:t> Regression Algorithm</a:t>
+            </a:r>
+            <a:endParaRPr lang="en-IN" sz="2800" dirty="0">
+              <a:solidFill>
+                <a:schemeClr val="bg1"/>
+              </a:solidFill>
+              <a:latin typeface="Bahnschrift SemiBold" panose="020B0502040204020203" pitchFamily="34" charset="0"/>
+            </a:endParaRPr>
+          </a:p>
+        </p:txBody>
+      </p:sp>
+      <p:sp>
+        <p:nvSpPr>
+          <p:cNvPr id="4" name="TextBox 3">
+            <a:extLst>
+              <a:ext uri="{FF2B5EF4-FFF2-40B4-BE49-F238E27FC236}">
+                <a16:creationId xmlns:a16="http://schemas.microsoft.com/office/drawing/2014/main" id="{299F27D2-713D-4BD6-8533-432786687B58}"/>
+              </a:ext>
+            </a:extLst>
+          </p:cNvPr>
+          <p:cNvSpPr txBox="1"/>
+          <p:nvPr/>
+        </p:nvSpPr>
+        <p:spPr>
+          <a:xfrm>
+            <a:off x="1221543" y="1861516"/>
+            <a:ext cx="6720819" cy="3785652"/>
+          </a:xfrm>
+          <a:prstGeom prst="rect">
+            <a:avLst/>
+          </a:prstGeom>
+          <a:noFill/>
+        </p:spPr>
+        <p:txBody>
+          <a:bodyPr wrap="square" rtlCol="0">
+            <a:spAutoFit/>
+          </a:bodyPr>
+          <a:lstStyle/>
+          <a:p>
+            <a:r>
+              <a:rPr lang="en-US" sz="2000" dirty="0">
+                <a:solidFill>
+                  <a:schemeClr val="bg1"/>
+                </a:solidFill>
+                <a:latin typeface="Bahnschrift SemiBold" panose="020B0502040204020203" pitchFamily="34" charset="0"/>
+              </a:rPr>
+              <a:t> 0 represents a flawless stump, while 1 represents a bad stump.</a:t>
+            </a:r>
+          </a:p>
+          <a:p>
+            <a:endParaRPr lang="en-US" sz="2000" dirty="0">
+              <a:solidFill>
+                <a:schemeClr val="bg1"/>
+              </a:solidFill>
+              <a:latin typeface="Bahnschrift SemiBold" panose="020B0502040204020203" pitchFamily="34" charset="0"/>
+            </a:endParaRPr>
+          </a:p>
+          <a:p>
+            <a:r>
+              <a:rPr lang="en-US" sz="2000" dirty="0">
+                <a:solidFill>
+                  <a:schemeClr val="bg1"/>
+                </a:solidFill>
+                <a:latin typeface="Bahnschrift SemiBold" panose="020B0502040204020203" pitchFamily="34" charset="0"/>
+              </a:rPr>
+              <a:t>According to the graph above, when there is no misclassification, there is no error (Total Error = 0), hence the "amount of say (alpha)" will be a huge value.</a:t>
+            </a:r>
+          </a:p>
+          <a:p>
+            <a:r>
+              <a:rPr lang="en-US" sz="2000" dirty="0">
+                <a:solidFill>
+                  <a:schemeClr val="bg1"/>
+                </a:solidFill>
+                <a:latin typeface="Bahnschrift SemiBold" panose="020B0502040204020203" pitchFamily="34" charset="0"/>
+              </a:rPr>
+              <a:t>When the classifier predicts half correctly and half incorrect, the Total Error equals 0.5, and the classifier's significance (amount of say) equals 0.</a:t>
+            </a:r>
+          </a:p>
+          <a:p>
+            <a:r>
+              <a:rPr lang="en-US" sz="2000" dirty="0">
+                <a:solidFill>
+                  <a:schemeClr val="bg1"/>
+                </a:solidFill>
+                <a:latin typeface="Bahnschrift SemiBold" panose="020B0502040204020203" pitchFamily="34" charset="0"/>
+              </a:rPr>
+              <a:t>If all of the samples were improperly </a:t>
+            </a:r>
+            <a:r>
+              <a:rPr lang="en-US" sz="2000" dirty="0" err="1">
+                <a:solidFill>
+                  <a:schemeClr val="bg1"/>
+                </a:solidFill>
+                <a:latin typeface="Bahnschrift SemiBold" panose="020B0502040204020203" pitchFamily="34" charset="0"/>
+              </a:rPr>
+              <a:t>categorised</a:t>
+            </a:r>
+            <a:r>
+              <a:rPr lang="en-US" sz="2000" dirty="0">
+                <a:solidFill>
+                  <a:schemeClr val="bg1"/>
+                </a:solidFill>
+                <a:latin typeface="Bahnschrift SemiBold" panose="020B0502040204020203" pitchFamily="34" charset="0"/>
+              </a:rPr>
+              <a:t>, the error will be quite large (about to 1), and our alpha value will be a negative integer.</a:t>
+            </a:r>
+          </a:p>
+        </p:txBody>
+      </p:sp>
+      <p:pic>
+        <p:nvPicPr>
+          <p:cNvPr id="6" name="Picture 5">
+            <a:extLst>
+              <a:ext uri="{FF2B5EF4-FFF2-40B4-BE49-F238E27FC236}">
+                <a16:creationId xmlns:a16="http://schemas.microsoft.com/office/drawing/2014/main" id="{EB63A0FD-6C4A-4770-B80B-4561B2896F71}"/>
+              </a:ext>
+            </a:extLst>
+          </p:cNvPr>
+          <p:cNvPicPr>
+            <a:picLocks noChangeAspect="1"/>
+          </p:cNvPicPr>
+          <p:nvPr/>
+        </p:nvPicPr>
+        <p:blipFill>
+          <a:blip r:embed="rId2">
+            <a:extLst>
+              <a:ext uri="{28A0092B-C50C-407E-A947-70E740481C1C}">
+                <a14:useLocalDpi xmlns:a14="http://schemas.microsoft.com/office/drawing/2010/main" val="0"/>
+              </a:ext>
+            </a:extLst>
+          </a:blip>
+          <a:stretch>
+            <a:fillRect/>
+          </a:stretch>
+        </p:blipFill>
+        <p:spPr>
+          <a:xfrm>
+            <a:off x="8294055" y="2287697"/>
+            <a:ext cx="3371598" cy="2933290"/>
+          </a:xfrm>
+          <a:prstGeom prst="rect">
+            <a:avLst/>
+          </a:prstGeom>
+        </p:spPr>
+      </p:pic>
+    </p:spTree>
+    <p:extLst>
+      <p:ext uri="{BB962C8B-B14F-4D97-AF65-F5344CB8AC3E}">
+        <p14:creationId xmlns:p14="http://schemas.microsoft.com/office/powerpoint/2010/main" val="598152460"/>
+      </p:ext>
+    </p:extLst>
+  </p:cSld>
+  <p:clrMapOvr>
+    <a:masterClrMapping/>
+  </p:clrMapOvr>
+</p:sld>
+</file>
+
+<file path=ppt/slides/slide8.xml><?xml version="1.0" encoding="utf-8"?>
+<p:sld xmlns:a="http://schemas.openxmlformats.org/drawingml/2006/main" xmlns:r="http://schemas.openxmlformats.org/officeDocument/2006/relationships" xmlns:p="http://schemas.openxmlformats.org/presentationml/2006/main">
+  <p:cSld>
+    <p:spTree>
+      <p:nvGrpSpPr>
+        <p:cNvPr id="1" name=""/>
+        <p:cNvGrpSpPr/>
+        <p:nvPr/>
+      </p:nvGrpSpPr>
+      <p:grpSpPr>
+        <a:xfrm>
+          <a:off x="0" y="0"/>
+          <a:ext cx="0" cy="0"/>
+          <a:chOff x="0" y="0"/>
+          <a:chExt cx="0" cy="0"/>
+        </a:xfrm>
+      </p:grpSpPr>
+      <p:sp>
+        <p:nvSpPr>
+          <p:cNvPr id="3" name="TextBox 2">
+            <a:extLst>
+              <a:ext uri="{FF2B5EF4-FFF2-40B4-BE49-F238E27FC236}">
+                <a16:creationId xmlns:a16="http://schemas.microsoft.com/office/drawing/2014/main" id="{3F3CEB3F-8140-4E91-968C-71E83F89C621}"/>
+              </a:ext>
+            </a:extLst>
+          </p:cNvPr>
+          <p:cNvSpPr txBox="1"/>
+          <p:nvPr/>
+        </p:nvSpPr>
+        <p:spPr>
+          <a:xfrm>
+            <a:off x="3030414" y="1210832"/>
+            <a:ext cx="6949440" cy="523220"/>
+          </a:xfrm>
+          <a:prstGeom prst="rect">
+            <a:avLst/>
+          </a:prstGeom>
+          <a:noFill/>
+        </p:spPr>
+        <p:txBody>
+          <a:bodyPr wrap="square" rtlCol="0">
+            <a:spAutoFit/>
+          </a:bodyPr>
+          <a:lstStyle/>
+          <a:p>
+            <a:r>
+              <a:rPr lang="en-US" sz="2800" dirty="0" err="1">
+                <a:solidFill>
+                  <a:schemeClr val="bg1"/>
+                </a:solidFill>
+                <a:latin typeface="Bahnschrift SemiBold" panose="020B0502040204020203" pitchFamily="34" charset="0"/>
+              </a:rPr>
+              <a:t>Adaboost</a:t>
+            </a:r>
+            <a:r>
+              <a:rPr lang="en-US" sz="2800" dirty="0">
+                <a:solidFill>
+                  <a:schemeClr val="bg1"/>
+                </a:solidFill>
+                <a:latin typeface="Bahnschrift SemiBold" panose="020B0502040204020203" pitchFamily="34" charset="0"/>
+              </a:rPr>
+              <a:t> Regression Algorithm</a:t>
+            </a:r>
+            <a:endParaRPr lang="en-IN" sz="2800" dirty="0">
+              <a:solidFill>
+                <a:schemeClr val="bg1"/>
+              </a:solidFill>
+              <a:latin typeface="Bahnschrift SemiBold" panose="020B0502040204020203" pitchFamily="34" charset="0"/>
+            </a:endParaRPr>
+          </a:p>
+        </p:txBody>
+      </p:sp>
+      <p:sp>
+        <p:nvSpPr>
+          <p:cNvPr id="4" name="TextBox 3">
+            <a:extLst>
+              <a:ext uri="{FF2B5EF4-FFF2-40B4-BE49-F238E27FC236}">
+                <a16:creationId xmlns:a16="http://schemas.microsoft.com/office/drawing/2014/main" id="{299F27D2-713D-4BD6-8533-432786687B58}"/>
+              </a:ext>
+            </a:extLst>
+          </p:cNvPr>
+          <p:cNvSpPr txBox="1"/>
+          <p:nvPr/>
+        </p:nvSpPr>
+        <p:spPr>
+          <a:xfrm>
+            <a:off x="1573236" y="2164083"/>
+            <a:ext cx="9469902" cy="707886"/>
+          </a:xfrm>
+          <a:prstGeom prst="rect">
+            <a:avLst/>
+          </a:prstGeom>
+          <a:noFill/>
+        </p:spPr>
+        <p:txBody>
+          <a:bodyPr wrap="square" rtlCol="0">
+            <a:spAutoFit/>
+          </a:bodyPr>
+          <a:lstStyle/>
+          <a:p>
+            <a:r>
+              <a:rPr lang="en-US" sz="2000" dirty="0">
+                <a:solidFill>
+                  <a:schemeClr val="bg1"/>
+                </a:solidFill>
+                <a:latin typeface="Bahnschrift SemiBold" panose="020B0502040204020203" pitchFamily="34" charset="0"/>
+              </a:rPr>
+              <a:t>After determining the classifier's significance and total error, we must update the weights using the following formula:</a:t>
+            </a:r>
+            <a:endParaRPr lang="en-IN" sz="2000" dirty="0">
+              <a:solidFill>
+                <a:schemeClr val="bg1"/>
+              </a:solidFill>
+              <a:latin typeface="Bahnschrift SemiBold" panose="020B0502040204020203" pitchFamily="34" charset="0"/>
+            </a:endParaRPr>
+          </a:p>
+        </p:txBody>
+      </p:sp>
+      <p:pic>
+        <p:nvPicPr>
+          <p:cNvPr id="6" name="Picture 5">
+            <a:extLst>
+              <a:ext uri="{FF2B5EF4-FFF2-40B4-BE49-F238E27FC236}">
+                <a16:creationId xmlns:a16="http://schemas.microsoft.com/office/drawing/2014/main" id="{DAB6B74F-3BB2-43E7-A0F4-F7B3F5F021E2}"/>
+              </a:ext>
+            </a:extLst>
+          </p:cNvPr>
+          <p:cNvPicPr>
+            <a:picLocks noChangeAspect="1"/>
+          </p:cNvPicPr>
+          <p:nvPr/>
+        </p:nvPicPr>
+        <p:blipFill>
+          <a:blip r:embed="rId2">
+            <a:extLst>
+              <a:ext uri="{28A0092B-C50C-407E-A947-70E740481C1C}">
+                <a14:useLocalDpi xmlns:a14="http://schemas.microsoft.com/office/drawing/2010/main" val="0"/>
+              </a:ext>
+            </a:extLst>
+          </a:blip>
+          <a:stretch>
+            <a:fillRect/>
+          </a:stretch>
+        </p:blipFill>
+        <p:spPr>
+          <a:xfrm>
+            <a:off x="1798319" y="3470666"/>
+            <a:ext cx="8595361" cy="545805"/>
+          </a:xfrm>
+          <a:prstGeom prst="rect">
+            <a:avLst/>
+          </a:prstGeom>
+        </p:spPr>
+      </p:pic>
+    </p:spTree>
+    <p:extLst>
+      <p:ext uri="{BB962C8B-B14F-4D97-AF65-F5344CB8AC3E}">
+        <p14:creationId xmlns:p14="http://schemas.microsoft.com/office/powerpoint/2010/main" val="1571364174"/>
+      </p:ext>
+    </p:extLst>
+  </p:cSld>
+  <p:clrMapOvr>
+    <a:masterClrMapping/>
+  </p:clrMapOvr>
+</p:sld>
+</file>
+
+<file path=ppt/slides/slide9.xml><?xml version="1.0" encoding="utf-8"?>
+<p:sld xmlns:a="http://schemas.openxmlformats.org/drawingml/2006/main" xmlns:r="http://schemas.openxmlformats.org/officeDocument/2006/relationships" xmlns:p="http://schemas.openxmlformats.org/presentationml/2006/main">
+  <p:cSld>
+    <p:spTree>
+      <p:nvGrpSpPr>
+        <p:cNvPr id="1" name=""/>
+        <p:cNvGrpSpPr/>
+        <p:nvPr/>
+      </p:nvGrpSpPr>
+      <p:grpSpPr>
+        <a:xfrm>
+          <a:off x="0" y="0"/>
+          <a:ext cx="0" cy="0"/>
+          <a:chOff x="0" y="0"/>
+          <a:chExt cx="0" cy="0"/>
+        </a:xfrm>
+      </p:grpSpPr>
+      <p:sp>
+        <p:nvSpPr>
+          <p:cNvPr id="3" name="TextBox 2">
+            <a:extLst>
+              <a:ext uri="{FF2B5EF4-FFF2-40B4-BE49-F238E27FC236}">
+                <a16:creationId xmlns:a16="http://schemas.microsoft.com/office/drawing/2014/main" id="{3F3CEB3F-8140-4E91-968C-71E83F89C621}"/>
+              </a:ext>
+            </a:extLst>
+          </p:cNvPr>
+          <p:cNvSpPr txBox="1"/>
+          <p:nvPr/>
+        </p:nvSpPr>
+        <p:spPr>
+          <a:xfrm>
+            <a:off x="3030414" y="1210832"/>
+            <a:ext cx="6949440" cy="523220"/>
+          </a:xfrm>
+          <a:prstGeom prst="rect">
+            <a:avLst/>
+          </a:prstGeom>
+          <a:noFill/>
+        </p:spPr>
+        <p:txBody>
+          <a:bodyPr wrap="square" rtlCol="0">
+            <a:spAutoFit/>
+          </a:bodyPr>
+          <a:lstStyle/>
+          <a:p>
+            <a:r>
+              <a:rPr lang="en-US" sz="2800" dirty="0" err="1">
+                <a:solidFill>
+                  <a:schemeClr val="bg1"/>
+                </a:solidFill>
+                <a:latin typeface="Bahnschrift SemiBold" panose="020B0502040204020203" pitchFamily="34" charset="0"/>
+              </a:rPr>
+              <a:t>Adaboost</a:t>
+            </a:r>
+            <a:r>
+              <a:rPr lang="en-US" sz="2800" dirty="0">
+                <a:solidFill>
+                  <a:schemeClr val="bg1"/>
+                </a:solidFill>
+                <a:latin typeface="Bahnschrift SemiBold" panose="020B0502040204020203" pitchFamily="34" charset="0"/>
+              </a:rPr>
+              <a:t> Regression Algorithm</a:t>
+            </a:r>
+            <a:endParaRPr lang="en-IN" sz="2800" dirty="0">
+              <a:solidFill>
+                <a:schemeClr val="bg1"/>
+              </a:solidFill>
+              <a:latin typeface="Bahnschrift SemiBold" panose="020B0502040204020203" pitchFamily="34" charset="0"/>
+            </a:endParaRPr>
+          </a:p>
+        </p:txBody>
+      </p:sp>
+      <p:sp>
+        <p:nvSpPr>
+          <p:cNvPr id="4" name="TextBox 3">
+            <a:extLst>
+              <a:ext uri="{FF2B5EF4-FFF2-40B4-BE49-F238E27FC236}">
+                <a16:creationId xmlns:a16="http://schemas.microsoft.com/office/drawing/2014/main" id="{299F27D2-713D-4BD6-8533-432786687B58}"/>
+              </a:ext>
+            </a:extLst>
+          </p:cNvPr>
+          <p:cNvSpPr txBox="1"/>
+          <p:nvPr/>
+        </p:nvSpPr>
+        <p:spPr>
+          <a:xfrm>
             <a:off x="2135943" y="2600180"/>
             <a:ext cx="8738383" cy="2308324"/>
           </a:xfrm>
@@ -14623,7 +15399,7 @@
                 </a:solidFill>
                 <a:latin typeface="Bahnschrift SemiBold" panose="020B0502040204020203" pitchFamily="34" charset="0"/>
               </a:rPr>
-              <a:t>Cons</a:t>
+              <a:t>Pros</a:t>
             </a:r>
           </a:p>
           <a:p>
@@ -14646,7 +15422,7 @@
                 </a:solidFill>
                 <a:latin typeface="Bahnschrift SemiBold" panose="020B0502040204020203" pitchFamily="34" charset="0"/>
               </a:rPr>
-              <a:t>AdaBoost is sensitive to noise data. </a:t>
+              <a:t>AdaBoost is easy to implement. </a:t>
             </a:r>
           </a:p>
           <a:p>
@@ -14661,7 +15437,7 @@
                 </a:solidFill>
                 <a:latin typeface="Bahnschrift SemiBold" panose="020B0502040204020203" pitchFamily="34" charset="0"/>
               </a:rPr>
-              <a:t>It is highly affected by outliers because it tries to fit each point perfectly. </a:t>
+              <a:t>It iteratively corrects the mistakes of the weak classifier and improves accuracy by combining weak learners. </a:t>
             </a:r>
           </a:p>
           <a:p>
@@ -14676,15 +15452,21 @@
                 </a:solidFill>
                 <a:latin typeface="Bahnschrift SemiBold" panose="020B0502040204020203" pitchFamily="34" charset="0"/>
               </a:rPr>
-              <a:t>Require multiple iteration of training</a:t>
+              <a:t>You can use many base classifiers with AdaBoost. </a:t>
             </a:r>
+            <a:endParaRPr lang="en-IN" sz="2400" dirty="0">
+              <a:solidFill>
+                <a:schemeClr val="bg1"/>
+              </a:solidFill>
+              <a:latin typeface="Bahnschrift SemiBold" panose="020B0502040204020203" pitchFamily="34" charset="0"/>
+            </a:endParaRPr>
           </a:p>
         </p:txBody>
       </p:sp>
     </p:spTree>
     <p:extLst>
       <p:ext uri="{BB962C8B-B14F-4D97-AF65-F5344CB8AC3E}">
-        <p14:creationId xmlns:p14="http://schemas.microsoft.com/office/powerpoint/2010/main" val="214791992"/>
+        <p14:creationId xmlns:p14="http://schemas.microsoft.com/office/powerpoint/2010/main" val="2713840100"/>
       </p:ext>
     </p:extLst>
   </p:cSld>

--- a/AdaBoost.pptx
+++ b/AdaBoost.pptx
@@ -15,6 +15,7 @@
     <p:sldId id="266" r:id="rId9"/>
     <p:sldId id="260" r:id="rId10"/>
     <p:sldId id="261" r:id="rId11"/>
+    <p:sldId id="267" r:id="rId12"/>
   </p:sldIdLst>
   <p:sldSz cx="12192000" cy="6858000"/>
   <p:notesSz cx="6858000" cy="9144000"/>
@@ -767,7 +768,7 @@
           <a:p>
             <a:fld id="{C961DA8B-4A88-435A-8140-EE3C7DBF4153}" type="datetimeFigureOut">
               <a:rPr lang="en-IN" smtClean="0"/>
-              <a:t>13-07-2024</a:t>
+              <a:t>19-07-2024</a:t>
             </a:fld>
             <a:endParaRPr lang="en-IN"/>
           </a:p>
@@ -1887,7 +1888,7 @@
           <a:p>
             <a:fld id="{C961DA8B-4A88-435A-8140-EE3C7DBF4153}" type="datetimeFigureOut">
               <a:rPr lang="en-IN" smtClean="0"/>
-              <a:t>13-07-2024</a:t>
+              <a:t>19-07-2024</a:t>
             </a:fld>
             <a:endParaRPr lang="en-IN"/>
           </a:p>
@@ -2898,7 +2899,7 @@
           <a:p>
             <a:fld id="{C961DA8B-4A88-435A-8140-EE3C7DBF4153}" type="datetimeFigureOut">
               <a:rPr lang="en-IN" smtClean="0"/>
-              <a:t>13-07-2024</a:t>
+              <a:t>19-07-2024</a:t>
             </a:fld>
             <a:endParaRPr lang="en-IN"/>
           </a:p>
@@ -4068,7 +4069,7 @@
           <a:p>
             <a:fld id="{C961DA8B-4A88-435A-8140-EE3C7DBF4153}" type="datetimeFigureOut">
               <a:rPr lang="en-IN" smtClean="0"/>
-              <a:t>13-07-2024</a:t>
+              <a:t>19-07-2024</a:t>
             </a:fld>
             <a:endParaRPr lang="en-IN"/>
           </a:p>
@@ -5129,7 +5130,7 @@
           <a:p>
             <a:fld id="{C961DA8B-4A88-435A-8140-EE3C7DBF4153}" type="datetimeFigureOut">
               <a:rPr lang="en-IN" smtClean="0"/>
-              <a:t>13-07-2024</a:t>
+              <a:t>19-07-2024</a:t>
             </a:fld>
             <a:endParaRPr lang="en-IN"/>
           </a:p>
@@ -5775,7 +5776,7 @@
           <a:p>
             <a:fld id="{C961DA8B-4A88-435A-8140-EE3C7DBF4153}" type="datetimeFigureOut">
               <a:rPr lang="en-IN" smtClean="0"/>
-              <a:t>13-07-2024</a:t>
+              <a:t>19-07-2024</a:t>
             </a:fld>
             <a:endParaRPr lang="en-IN"/>
           </a:p>
@@ -6622,7 +6623,7 @@
           <a:p>
             <a:fld id="{C961DA8B-4A88-435A-8140-EE3C7DBF4153}" type="datetimeFigureOut">
               <a:rPr lang="en-IN" smtClean="0"/>
-              <a:t>13-07-2024</a:t>
+              <a:t>19-07-2024</a:t>
             </a:fld>
             <a:endParaRPr lang="en-IN"/>
           </a:p>
@@ -6797,7 +6798,7 @@
           <a:p>
             <a:fld id="{C961DA8B-4A88-435A-8140-EE3C7DBF4153}" type="datetimeFigureOut">
               <a:rPr lang="en-IN" smtClean="0"/>
-              <a:t>13-07-2024</a:t>
+              <a:t>19-07-2024</a:t>
             </a:fld>
             <a:endParaRPr lang="en-IN"/>
           </a:p>
@@ -7795,7 +7796,7 @@
           <a:p>
             <a:fld id="{C961DA8B-4A88-435A-8140-EE3C7DBF4153}" type="datetimeFigureOut">
               <a:rPr lang="en-IN" smtClean="0"/>
-              <a:t>13-07-2024</a:t>
+              <a:t>19-07-2024</a:t>
             </a:fld>
             <a:endParaRPr lang="en-IN"/>
           </a:p>
@@ -8001,7 +8002,7 @@
           <a:p>
             <a:fld id="{C961DA8B-4A88-435A-8140-EE3C7DBF4153}" type="datetimeFigureOut">
               <a:rPr lang="en-IN" smtClean="0"/>
-              <a:t>13-07-2024</a:t>
+              <a:t>19-07-2024</a:t>
             </a:fld>
             <a:endParaRPr lang="en-IN"/>
           </a:p>
@@ -9063,7 +9064,7 @@
           <a:p>
             <a:fld id="{C961DA8B-4A88-435A-8140-EE3C7DBF4153}" type="datetimeFigureOut">
               <a:rPr lang="en-IN" smtClean="0"/>
-              <a:t>13-07-2024</a:t>
+              <a:t>19-07-2024</a:t>
             </a:fld>
             <a:endParaRPr lang="en-IN"/>
           </a:p>
@@ -9335,7 +9336,7 @@
           <a:p>
             <a:fld id="{C961DA8B-4A88-435A-8140-EE3C7DBF4153}" type="datetimeFigureOut">
               <a:rPr lang="en-IN" smtClean="0"/>
-              <a:t>13-07-2024</a:t>
+              <a:t>19-07-2024</a:t>
             </a:fld>
             <a:endParaRPr lang="en-IN"/>
           </a:p>
@@ -9717,7 +9718,7 @@
           <a:p>
             <a:fld id="{C961DA8B-4A88-435A-8140-EE3C7DBF4153}" type="datetimeFigureOut">
               <a:rPr lang="en-IN" smtClean="0"/>
-              <a:t>13-07-2024</a:t>
+              <a:t>19-07-2024</a:t>
             </a:fld>
             <a:endParaRPr lang="en-IN"/>
           </a:p>
@@ -9835,7 +9836,7 @@
           <a:p>
             <a:fld id="{C961DA8B-4A88-435A-8140-EE3C7DBF4153}" type="datetimeFigureOut">
               <a:rPr lang="en-IN" smtClean="0"/>
-              <a:t>13-07-2024</a:t>
+              <a:t>19-07-2024</a:t>
             </a:fld>
             <a:endParaRPr lang="en-IN"/>
           </a:p>
@@ -9930,7 +9931,7 @@
           <a:p>
             <a:fld id="{C961DA8B-4A88-435A-8140-EE3C7DBF4153}" type="datetimeFigureOut">
               <a:rPr lang="en-IN" smtClean="0"/>
-              <a:t>13-07-2024</a:t>
+              <a:t>19-07-2024</a:t>
             </a:fld>
             <a:endParaRPr lang="en-IN"/>
           </a:p>
@@ -11039,7 +11040,7 @@
           <a:p>
             <a:fld id="{C961DA8B-4A88-435A-8140-EE3C7DBF4153}" type="datetimeFigureOut">
               <a:rPr lang="en-IN" smtClean="0"/>
-              <a:t>13-07-2024</a:t>
+              <a:t>19-07-2024</a:t>
             </a:fld>
             <a:endParaRPr lang="en-IN"/>
           </a:p>
@@ -12172,7 +12173,7 @@
           <a:p>
             <a:fld id="{C961DA8B-4A88-435A-8140-EE3C7DBF4153}" type="datetimeFigureOut">
               <a:rPr lang="en-IN" smtClean="0"/>
-              <a:t>13-07-2024</a:t>
+              <a:t>19-07-2024</a:t>
             </a:fld>
             <a:endParaRPr lang="en-IN"/>
           </a:p>
@@ -13200,7 +13201,7 @@
           <a:p>
             <a:fld id="{C961DA8B-4A88-435A-8140-EE3C7DBF4153}" type="datetimeFigureOut">
               <a:rPr lang="en-IN" smtClean="0"/>
-              <a:t>13-07-2024</a:t>
+              <a:t>19-07-2024</a:t>
             </a:fld>
             <a:endParaRPr lang="en-IN"/>
           </a:p>
@@ -13990,6 +13991,187 @@
 </p:sld>
 </file>
 
+<file path=ppt/slides/slide11.xml><?xml version="1.0" encoding="utf-8"?>
+<p:sld xmlns:a="http://schemas.openxmlformats.org/drawingml/2006/main" xmlns:r="http://schemas.openxmlformats.org/officeDocument/2006/relationships" xmlns:p="http://schemas.openxmlformats.org/presentationml/2006/main">
+  <p:cSld>
+    <p:spTree>
+      <p:nvGrpSpPr>
+        <p:cNvPr id="1" name=""/>
+        <p:cNvGrpSpPr/>
+        <p:nvPr/>
+      </p:nvGrpSpPr>
+      <p:grpSpPr>
+        <a:xfrm>
+          <a:off x="0" y="0"/>
+          <a:ext cx="0" cy="0"/>
+          <a:chOff x="0" y="0"/>
+          <a:chExt cx="0" cy="0"/>
+        </a:xfrm>
+      </p:grpSpPr>
+      <p:sp>
+        <p:nvSpPr>
+          <p:cNvPr id="3" name="TextBox 2">
+            <a:extLst>
+              <a:ext uri="{FF2B5EF4-FFF2-40B4-BE49-F238E27FC236}">
+                <a16:creationId xmlns:a16="http://schemas.microsoft.com/office/drawing/2014/main" id="{3F3CEB3F-8140-4E91-968C-71E83F89C621}"/>
+              </a:ext>
+            </a:extLst>
+          </p:cNvPr>
+          <p:cNvSpPr txBox="1"/>
+          <p:nvPr/>
+        </p:nvSpPr>
+        <p:spPr>
+          <a:xfrm>
+            <a:off x="3030414" y="1210832"/>
+            <a:ext cx="6949440" cy="523220"/>
+          </a:xfrm>
+          <a:prstGeom prst="rect">
+            <a:avLst/>
+          </a:prstGeom>
+          <a:noFill/>
+        </p:spPr>
+        <p:txBody>
+          <a:bodyPr wrap="square" rtlCol="0">
+            <a:spAutoFit/>
+          </a:bodyPr>
+          <a:lstStyle/>
+          <a:p>
+            <a:r>
+              <a:rPr lang="en-US" sz="2800" dirty="0" err="1">
+                <a:solidFill>
+                  <a:schemeClr val="bg1"/>
+                </a:solidFill>
+                <a:latin typeface="Bahnschrift SemiBold" panose="020B0502040204020203" pitchFamily="34" charset="0"/>
+              </a:rPr>
+              <a:t>Adaboost</a:t>
+            </a:r>
+            <a:r>
+              <a:rPr lang="en-US" sz="2800" dirty="0">
+                <a:solidFill>
+                  <a:schemeClr val="bg1"/>
+                </a:solidFill>
+                <a:latin typeface="Bahnschrift SemiBold" panose="020B0502040204020203" pitchFamily="34" charset="0"/>
+              </a:rPr>
+              <a:t> Regression Algorithm</a:t>
+            </a:r>
+            <a:endParaRPr lang="en-IN" sz="2800" dirty="0">
+              <a:solidFill>
+                <a:schemeClr val="bg1"/>
+              </a:solidFill>
+              <a:latin typeface="Bahnschrift SemiBold" panose="020B0502040204020203" pitchFamily="34" charset="0"/>
+            </a:endParaRPr>
+          </a:p>
+        </p:txBody>
+      </p:sp>
+      <p:sp>
+        <p:nvSpPr>
+          <p:cNvPr id="4" name="TextBox 3">
+            <a:extLst>
+              <a:ext uri="{FF2B5EF4-FFF2-40B4-BE49-F238E27FC236}">
+                <a16:creationId xmlns:a16="http://schemas.microsoft.com/office/drawing/2014/main" id="{299F27D2-713D-4BD6-8533-432786687B58}"/>
+              </a:ext>
+            </a:extLst>
+          </p:cNvPr>
+          <p:cNvSpPr txBox="1"/>
+          <p:nvPr/>
+        </p:nvSpPr>
+        <p:spPr>
+          <a:xfrm>
+            <a:off x="2135943" y="2600180"/>
+            <a:ext cx="8738383" cy="2308324"/>
+          </a:xfrm>
+          <a:prstGeom prst="rect">
+            <a:avLst/>
+          </a:prstGeom>
+          <a:noFill/>
+        </p:spPr>
+        <p:txBody>
+          <a:bodyPr wrap="square" rtlCol="0">
+            <a:spAutoFit/>
+          </a:bodyPr>
+          <a:lstStyle/>
+          <a:p>
+            <a:r>
+              <a:rPr lang="en-US" sz="2400" dirty="0">
+                <a:solidFill>
+                  <a:schemeClr val="bg1"/>
+                </a:solidFill>
+                <a:latin typeface="Bahnschrift SemiBold" panose="020B0502040204020203" pitchFamily="34" charset="0"/>
+              </a:rPr>
+              <a:t>Applications</a:t>
+            </a:r>
+          </a:p>
+          <a:p>
+            <a:endParaRPr lang="en-US" sz="2400" dirty="0">
+              <a:solidFill>
+                <a:schemeClr val="bg1"/>
+              </a:solidFill>
+              <a:latin typeface="Bahnschrift SemiBold" panose="020B0502040204020203" pitchFamily="34" charset="0"/>
+            </a:endParaRPr>
+          </a:p>
+          <a:p>
+            <a:pPr marL="800100" lvl="1" indent="-342900">
+              <a:buFont typeface="Arial" panose="020B0604020202020204" pitchFamily="34" charset="0"/>
+              <a:buChar char="•"/>
+            </a:pPr>
+            <a:r>
+              <a:rPr lang="en-US" sz="2400" dirty="0">
+                <a:solidFill>
+                  <a:schemeClr val="bg1"/>
+                </a:solidFill>
+                <a:latin typeface="Bahnschrift SemiBold" panose="020B0502040204020203" pitchFamily="34" charset="0"/>
+              </a:rPr>
+              <a:t>AdaBoost is widely used in applications such as face detection, object recognition, and text classification</a:t>
+            </a:r>
+            <a:r>
+              <a:rPr lang="en-US" sz="2400">
+                <a:solidFill>
+                  <a:schemeClr val="bg1"/>
+                </a:solidFill>
+                <a:latin typeface="Bahnschrift SemiBold" panose="020B0502040204020203" pitchFamily="34" charset="0"/>
+              </a:rPr>
+              <a:t>. </a:t>
+            </a:r>
+          </a:p>
+          <a:p>
+            <a:pPr marL="800100" lvl="1" indent="-342900">
+              <a:buFont typeface="Arial" panose="020B0604020202020204" pitchFamily="34" charset="0"/>
+              <a:buChar char="•"/>
+            </a:pPr>
+            <a:r>
+              <a:rPr lang="en-US" sz="2400">
+                <a:solidFill>
+                  <a:schemeClr val="bg1"/>
+                </a:solidFill>
+                <a:latin typeface="Bahnschrift SemiBold" panose="020B0502040204020203" pitchFamily="34" charset="0"/>
+              </a:rPr>
+              <a:t>It </a:t>
+            </a:r>
+            <a:r>
+              <a:rPr lang="en-US" sz="2400" dirty="0">
+                <a:solidFill>
+                  <a:schemeClr val="bg1"/>
+                </a:solidFill>
+                <a:latin typeface="Bahnschrift SemiBold" panose="020B0502040204020203" pitchFamily="34" charset="0"/>
+              </a:rPr>
+              <a:t>is particularly effective when the data is noisy or when there are many irrelevant features</a:t>
+            </a:r>
+          </a:p>
+        </p:txBody>
+      </p:sp>
+    </p:spTree>
+    <p:extLst>
+      <p:ext uri="{BB962C8B-B14F-4D97-AF65-F5344CB8AC3E}">
+        <p14:creationId xmlns:p14="http://schemas.microsoft.com/office/powerpoint/2010/main" val="1574101607"/>
+      </p:ext>
+    </p:extLst>
+  </p:cSld>
+  <p:clrMapOvr>
+    <a:masterClrMapping/>
+  </p:clrMapOvr>
+</p:sld>
+</file>
+
 <file path=ppt/slides/slide2.xml><?xml version="1.0" encoding="utf-8"?>
 <p:sld xmlns:a="http://schemas.openxmlformats.org/drawingml/2006/main" xmlns:r="http://schemas.openxmlformats.org/officeDocument/2006/relationships" xmlns:p="http://schemas.openxmlformats.org/presentationml/2006/main">
   <p:cSld>
